--- a/docs/Milestone-3.pptx
+++ b/docs/Milestone-3.pptx
@@ -5,16 +5,17 @@
     <p:sldMasterId id="2147483648" r:id="rId1"/>
   </p:sldMasterIdLst>
   <p:notesMasterIdLst>
-    <p:notesMasterId r:id="rId9"/>
+    <p:notesMasterId r:id="rId10"/>
   </p:notesMasterIdLst>
   <p:sldIdLst>
     <p:sldId id="256" r:id="rId2"/>
     <p:sldId id="257" r:id="rId3"/>
     <p:sldId id="273" r:id="rId4"/>
-    <p:sldId id="280" r:id="rId5"/>
-    <p:sldId id="265" r:id="rId6"/>
-    <p:sldId id="281" r:id="rId7"/>
-    <p:sldId id="278" r:id="rId8"/>
+    <p:sldId id="282" r:id="rId5"/>
+    <p:sldId id="280" r:id="rId6"/>
+    <p:sldId id="265" r:id="rId7"/>
+    <p:sldId id="281" r:id="rId8"/>
+    <p:sldId id="278" r:id="rId9"/>
   </p:sldIdLst>
   <p:sldSz cx="12192000" cy="6858000"/>
   <p:notesSz cx="6858000" cy="9144000"/>
@@ -6376,7 +6377,7 @@
           <p:cNvPr id="10" name="Rectangle 9">
             <a:extLst>
               <a:ext uri="{FF2B5EF4-FFF2-40B4-BE49-F238E27FC236}">
-                <a16:creationId xmlns:a16="http://schemas.microsoft.com/office/drawing/2014/main" xmlns="" id="{6288FA97-C16B-4222-8C4D-E22F58E87AE4}"/>
+                <a16:creationId xmlns="" xmlns:a16="http://schemas.microsoft.com/office/drawing/2014/main" id="{6288FA97-C16B-4222-8C4D-E22F58E87AE4}"/>
               </a:ext>
             </a:extLst>
           </p:cNvPr>
@@ -6433,7 +6434,7 @@
           <p:cNvPr id="12" name="Rectangle 11">
             <a:extLst>
               <a:ext uri="{FF2B5EF4-FFF2-40B4-BE49-F238E27FC236}">
-                <a16:creationId xmlns:a16="http://schemas.microsoft.com/office/drawing/2014/main" xmlns="" id="{86745676-985D-4F8F-BBC9-74CCF08EF6B8}"/>
+                <a16:creationId xmlns="" xmlns:a16="http://schemas.microsoft.com/office/drawing/2014/main" id="{86745676-985D-4F8F-BBC9-74CCF08EF6B8}"/>
               </a:ext>
             </a:extLst>
           </p:cNvPr>
@@ -6483,7 +6484,7 @@
           <p:cNvPr id="14" name="Rectangle 13">
             <a:extLst>
               <a:ext uri="{FF2B5EF4-FFF2-40B4-BE49-F238E27FC236}">
-                <a16:creationId xmlns:a16="http://schemas.microsoft.com/office/drawing/2014/main" xmlns="" id="{D5395B5B-2522-4AED-9DF1-8EA401469F59}"/>
+                <a16:creationId xmlns="" xmlns:a16="http://schemas.microsoft.com/office/drawing/2014/main" id="{D5395B5B-2522-4AED-9DF1-8EA401469F59}"/>
               </a:ext>
             </a:extLst>
           </p:cNvPr>
@@ -6736,7 +6737,15 @@
                   <a:srgbClr val="FFC000"/>
                 </a:solidFill>
               </a:rPr>
-              <a:t>Project Goals</a:t>
+              <a:t>Project </a:t>
+            </a:r>
+            <a:r>
+              <a:rPr lang="en-US" dirty="0" smtClean="0">
+                <a:solidFill>
+                  <a:srgbClr val="FFC000"/>
+                </a:solidFill>
+              </a:rPr>
+              <a:t>Overview</a:t>
             </a:r>
             <a:endParaRPr lang="en-US" dirty="0">
               <a:solidFill>
@@ -6814,17 +6823,15 @@
                   <a:srgbClr val="FFFF00"/>
                 </a:solidFill>
               </a:rPr>
-              <a:t>Calculate a threshold value for scenarios to differentiate a fall from normal movements.</a:t>
-            </a:r>
-          </a:p>
-          <a:p>
+              <a:t>Calculate </a:t>
+            </a:r>
             <a:r>
               <a:rPr lang="en-US" dirty="0" smtClean="0">
                 <a:solidFill>
                   <a:srgbClr val="FFFF00"/>
                 </a:solidFill>
               </a:rPr>
-              <a:t>Calculate the change in acceleration for each transition and compare with a threshold value </a:t>
+              <a:t>the change in acceleration for each transition and compare with a threshold value </a:t>
             </a:r>
           </a:p>
           <a:p>
@@ -6889,7 +6896,7 @@
           <p:cNvPr id="9" name="Picture 8">
             <a:extLst>
               <a:ext uri="{FF2B5EF4-FFF2-40B4-BE49-F238E27FC236}">
-                <a16:creationId xmlns:a16="http://schemas.microsoft.com/office/drawing/2014/main" xmlns="" id="{41B68C77-138E-4BF7-A276-BD0C78A4219F}"/>
+                <a16:creationId xmlns="" xmlns:a16="http://schemas.microsoft.com/office/drawing/2014/main" id="{41B68C77-138E-4BF7-A276-BD0C78A4219F}"/>
               </a:ext>
             </a:extLst>
           </p:cNvPr>
@@ -6930,7 +6937,7 @@
           <p:cNvPr id="11" name="Picture 10">
             <a:extLst>
               <a:ext uri="{FF2B5EF4-FFF2-40B4-BE49-F238E27FC236}">
-                <a16:creationId xmlns:a16="http://schemas.microsoft.com/office/drawing/2014/main" xmlns="" id="{7C268552-D473-46ED-B1B8-422042C4DEF1}"/>
+                <a16:creationId xmlns="" xmlns:a16="http://schemas.microsoft.com/office/drawing/2014/main" id="{7C268552-D473-46ED-B1B8-422042C4DEF1}"/>
               </a:ext>
             </a:extLst>
           </p:cNvPr>
@@ -6971,7 +6978,7 @@
           <p:cNvPr id="13" name="Oval 12">
             <a:extLst>
               <a:ext uri="{FF2B5EF4-FFF2-40B4-BE49-F238E27FC236}">
-                <a16:creationId xmlns:a16="http://schemas.microsoft.com/office/drawing/2014/main" xmlns="" id="{4AC0CD9D-7610-4620-93B4-798CCD9AB581}"/>
+                <a16:creationId xmlns="" xmlns:a16="http://schemas.microsoft.com/office/drawing/2014/main" id="{4AC0CD9D-7610-4620-93B4-798CCD9AB581}"/>
               </a:ext>
             </a:extLst>
           </p:cNvPr>
@@ -7048,7 +7055,7 @@
           <p:cNvPr id="15" name="Picture 14">
             <a:extLst>
               <a:ext uri="{FF2B5EF4-FFF2-40B4-BE49-F238E27FC236}">
-                <a16:creationId xmlns:a16="http://schemas.microsoft.com/office/drawing/2014/main" xmlns="" id="{B9238B3E-24AA-439A-B527-6C5DF6D72145}"/>
+                <a16:creationId xmlns="" xmlns:a16="http://schemas.microsoft.com/office/drawing/2014/main" id="{B9238B3E-24AA-439A-B527-6C5DF6D72145}"/>
               </a:ext>
             </a:extLst>
           </p:cNvPr>
@@ -7089,7 +7096,7 @@
           <p:cNvPr id="17" name="Picture 16">
             <a:extLst>
               <a:ext uri="{FF2B5EF4-FFF2-40B4-BE49-F238E27FC236}">
-                <a16:creationId xmlns:a16="http://schemas.microsoft.com/office/drawing/2014/main" xmlns="" id="{69F01145-BEA3-4CBF-AA21-10077B948CA8}"/>
+                <a16:creationId xmlns="" xmlns:a16="http://schemas.microsoft.com/office/drawing/2014/main" id="{69F01145-BEA3-4CBF-AA21-10077B948CA8}"/>
               </a:ext>
             </a:extLst>
           </p:cNvPr>
@@ -7130,7 +7137,7 @@
           <p:cNvPr id="19" name="Rectangle 18">
             <a:extLst>
               <a:ext uri="{FF2B5EF4-FFF2-40B4-BE49-F238E27FC236}">
-                <a16:creationId xmlns:a16="http://schemas.microsoft.com/office/drawing/2014/main" xmlns="" id="{DE4D62F9-188E-4530-84C2-24BDEE4BEB82}"/>
+                <a16:creationId xmlns="" xmlns:a16="http://schemas.microsoft.com/office/drawing/2014/main" id="{DE4D62F9-188E-4530-84C2-24BDEE4BEB82}"/>
               </a:ext>
             </a:extLst>
           </p:cNvPr>
@@ -7180,7 +7187,7 @@
           <p:cNvPr id="21" name="Rectangle 20">
             <a:extLst>
               <a:ext uri="{FF2B5EF4-FFF2-40B4-BE49-F238E27FC236}">
-                <a16:creationId xmlns:a16="http://schemas.microsoft.com/office/drawing/2014/main" xmlns="" id="{D67CA421-FA2B-47ED-A101-F8BBEBB2976B}"/>
+                <a16:creationId xmlns="" xmlns:a16="http://schemas.microsoft.com/office/drawing/2014/main" id="{D67CA421-FA2B-47ED-A101-F8BBEBB2976B}"/>
               </a:ext>
             </a:extLst>
           </p:cNvPr>
@@ -7237,7 +7244,7 @@
           <p:cNvPr id="23" name="Rectangle 22">
             <a:extLst>
               <a:ext uri="{FF2B5EF4-FFF2-40B4-BE49-F238E27FC236}">
-                <a16:creationId xmlns:a16="http://schemas.microsoft.com/office/drawing/2014/main" xmlns="" id="{221DB897-A621-4D5F-AC81-91199AC4370E}"/>
+                <a16:creationId xmlns="" xmlns:a16="http://schemas.microsoft.com/office/drawing/2014/main" id="{221DB897-A621-4D5F-AC81-91199AC4370E}"/>
               </a:ext>
             </a:extLst>
           </p:cNvPr>
@@ -7287,7 +7294,7 @@
           <p:cNvPr id="25" name="Rectangle 24">
             <a:extLst>
               <a:ext uri="{FF2B5EF4-FFF2-40B4-BE49-F238E27FC236}">
-                <a16:creationId xmlns:a16="http://schemas.microsoft.com/office/drawing/2014/main" xmlns="" id="{12425D82-CD5E-45A4-9542-70951E59F2D1}"/>
+                <a16:creationId xmlns="" xmlns:a16="http://schemas.microsoft.com/office/drawing/2014/main" id="{12425D82-CD5E-45A4-9542-70951E59F2D1}"/>
               </a:ext>
             </a:extLst>
           </p:cNvPr>
@@ -7427,6 +7434,130 @@
 </file>
 
 <file path=ppt/slides/slide4.xml><?xml version="1.0" encoding="utf-8"?>
+<p:sld xmlns:a="http://schemas.openxmlformats.org/drawingml/2006/main" xmlns:r="http://schemas.openxmlformats.org/officeDocument/2006/relationships" xmlns:p="http://schemas.openxmlformats.org/presentationml/2006/main">
+  <p:cSld>
+    <p:spTree>
+      <p:nvGrpSpPr>
+        <p:cNvPr id="1" name=""/>
+        <p:cNvGrpSpPr/>
+        <p:nvPr/>
+      </p:nvGrpSpPr>
+      <p:grpSpPr>
+        <a:xfrm>
+          <a:off x="0" y="0"/>
+          <a:ext cx="0" cy="0"/>
+          <a:chOff x="0" y="0"/>
+          <a:chExt cx="0" cy="0"/>
+        </a:xfrm>
+      </p:grpSpPr>
+      <p:sp>
+        <p:nvSpPr>
+          <p:cNvPr id="2" name="Title 1"/>
+          <p:cNvSpPr>
+            <a:spLocks noGrp="1"/>
+          </p:cNvSpPr>
+          <p:nvPr>
+            <p:ph type="title"/>
+          </p:nvPr>
+        </p:nvSpPr>
+        <p:spPr/>
+        <p:txBody>
+          <a:bodyPr/>
+          <a:lstStyle/>
+          <a:p>
+            <a:r>
+              <a:rPr lang="en-US" dirty="0" smtClean="0">
+                <a:solidFill>
+                  <a:srgbClr val="FFC000"/>
+                </a:solidFill>
+              </a:rPr>
+              <a:t>Accomplishments</a:t>
+            </a:r>
+            <a:endParaRPr lang="en-US" dirty="0">
+              <a:solidFill>
+                <a:srgbClr val="FFC000"/>
+              </a:solidFill>
+            </a:endParaRPr>
+          </a:p>
+        </p:txBody>
+      </p:sp>
+      <p:sp>
+        <p:nvSpPr>
+          <p:cNvPr id="3" name="Content Placeholder 2"/>
+          <p:cNvSpPr>
+            <a:spLocks noGrp="1"/>
+          </p:cNvSpPr>
+          <p:nvPr>
+            <p:ph idx="1"/>
+          </p:nvPr>
+        </p:nvSpPr>
+        <p:spPr/>
+        <p:txBody>
+          <a:bodyPr>
+            <a:normAutofit/>
+          </a:bodyPr>
+          <a:lstStyle/>
+          <a:p>
+            <a:r>
+              <a:rPr lang="en-US" sz="2400" dirty="0" smtClean="0">
+                <a:solidFill>
+                  <a:srgbClr val="FFFF00"/>
+                </a:solidFill>
+              </a:rPr>
+              <a:t>Raising Alerts</a:t>
+            </a:r>
+          </a:p>
+          <a:p>
+            <a:r>
+              <a:rPr lang="en-US" sz="2400" dirty="0" smtClean="0">
+                <a:solidFill>
+                  <a:srgbClr val="FFFF00"/>
+                </a:solidFill>
+              </a:rPr>
+              <a:t>Creating Notification</a:t>
+            </a:r>
+          </a:p>
+          <a:p>
+            <a:r>
+              <a:rPr lang="en-US" sz="2400" dirty="0" smtClean="0">
+                <a:solidFill>
+                  <a:srgbClr val="FFFF00"/>
+                </a:solidFill>
+              </a:rPr>
+              <a:t>Streaming Real time Acceleration data to app</a:t>
+            </a:r>
+          </a:p>
+          <a:p>
+            <a:r>
+              <a:rPr lang="en-US" sz="2400" dirty="0" smtClean="0">
+                <a:solidFill>
+                  <a:srgbClr val="FFFF00"/>
+                </a:solidFill>
+              </a:rPr>
+              <a:t>Working Demo and MetaWear</a:t>
+            </a:r>
+            <a:endParaRPr lang="en-US" sz="2400" dirty="0">
+              <a:solidFill>
+                <a:srgbClr val="FFFF00"/>
+              </a:solidFill>
+            </a:endParaRPr>
+          </a:p>
+        </p:txBody>
+      </p:sp>
+    </p:spTree>
+    <p:extLst>
+      <p:ext uri="{BB962C8B-B14F-4D97-AF65-F5344CB8AC3E}">
+        <p14:creationId xmlns:p14="http://schemas.microsoft.com/office/powerpoint/2010/main" val="1255505653"/>
+      </p:ext>
+    </p:extLst>
+  </p:cSld>
+  <p:clrMapOvr>
+    <a:masterClrMapping/>
+  </p:clrMapOvr>
+</p:sld>
+</file>
+
+<file path=ppt/slides/slide5.xml><?xml version="1.0" encoding="utf-8"?>
 <p:sld xmlns:a="http://schemas.openxmlformats.org/drawingml/2006/main" xmlns:r="http://schemas.openxmlformats.org/officeDocument/2006/relationships" xmlns:p="http://schemas.openxmlformats.org/presentationml/2006/main">
   <p:cSld>
     <p:bg>
@@ -7472,7 +7603,7 @@
           <p:cNvPr id="12" name="Picture 11">
             <a:extLst>
               <a:ext uri="{FF2B5EF4-FFF2-40B4-BE49-F238E27FC236}">
-                <a16:creationId xmlns:a16="http://schemas.microsoft.com/office/drawing/2014/main" xmlns="" id="{1530DCFF-08F5-434A-A0D5-F3E89407A615}"/>
+                <a16:creationId xmlns="" xmlns:a16="http://schemas.microsoft.com/office/drawing/2014/main" id="{1530DCFF-08F5-434A-A0D5-F3E89407A615}"/>
               </a:ext>
             </a:extLst>
           </p:cNvPr>
@@ -7513,7 +7644,7 @@
           <p:cNvPr id="14" name="Picture 13">
             <a:extLst>
               <a:ext uri="{FF2B5EF4-FFF2-40B4-BE49-F238E27FC236}">
-                <a16:creationId xmlns:a16="http://schemas.microsoft.com/office/drawing/2014/main" xmlns="" id="{24011A3A-9884-40BF-94F6-0625A0ADD326}"/>
+                <a16:creationId xmlns="" xmlns:a16="http://schemas.microsoft.com/office/drawing/2014/main" id="{24011A3A-9884-40BF-94F6-0625A0ADD326}"/>
               </a:ext>
             </a:extLst>
           </p:cNvPr>
@@ -7554,7 +7685,7 @@
           <p:cNvPr id="16" name="Oval 15">
             <a:extLst>
               <a:ext uri="{FF2B5EF4-FFF2-40B4-BE49-F238E27FC236}">
-                <a16:creationId xmlns:a16="http://schemas.microsoft.com/office/drawing/2014/main" xmlns="" id="{D6573690-978D-48A4-8645-0E01F8211B71}"/>
+                <a16:creationId xmlns="" xmlns:a16="http://schemas.microsoft.com/office/drawing/2014/main" id="{D6573690-978D-48A4-8645-0E01F8211B71}"/>
               </a:ext>
             </a:extLst>
           </p:cNvPr>
@@ -7631,7 +7762,7 @@
           <p:cNvPr id="18" name="Picture 17">
             <a:extLst>
               <a:ext uri="{FF2B5EF4-FFF2-40B4-BE49-F238E27FC236}">
-                <a16:creationId xmlns:a16="http://schemas.microsoft.com/office/drawing/2014/main" xmlns="" id="{D4B84446-184D-45CE-9532-48179EAE58C9}"/>
+                <a16:creationId xmlns="" xmlns:a16="http://schemas.microsoft.com/office/drawing/2014/main" id="{D4B84446-184D-45CE-9532-48179EAE58C9}"/>
               </a:ext>
             </a:extLst>
           </p:cNvPr>
@@ -7672,7 +7803,7 @@
           <p:cNvPr id="20" name="Picture 19">
             <a:extLst>
               <a:ext uri="{FF2B5EF4-FFF2-40B4-BE49-F238E27FC236}">
-                <a16:creationId xmlns:a16="http://schemas.microsoft.com/office/drawing/2014/main" xmlns="" id="{C9229660-8639-44E7-B486-7436516E6B62}"/>
+                <a16:creationId xmlns="" xmlns:a16="http://schemas.microsoft.com/office/drawing/2014/main" id="{C9229660-8639-44E7-B486-7436516E6B62}"/>
               </a:ext>
             </a:extLst>
           </p:cNvPr>
@@ -7713,7 +7844,7 @@
           <p:cNvPr id="22" name="Rectangle 21">
             <a:extLst>
               <a:ext uri="{FF2B5EF4-FFF2-40B4-BE49-F238E27FC236}">
-                <a16:creationId xmlns:a16="http://schemas.microsoft.com/office/drawing/2014/main" xmlns="" id="{858084FA-40DB-44FC-94DA-93AA71CD6924}"/>
+                <a16:creationId xmlns="" xmlns:a16="http://schemas.microsoft.com/office/drawing/2014/main" id="{858084FA-40DB-44FC-94DA-93AA71CD6924}"/>
               </a:ext>
             </a:extLst>
           </p:cNvPr>
@@ -7760,7 +7891,7 @@
       </p:sp>
       <p:pic>
         <p:nvPicPr>
-          <p:cNvPr id="4" name="Picture 3"/>
+          <p:cNvPr id="5" name="Picture 4"/>
           <p:cNvPicPr>
             <a:picLocks noChangeAspect="1"/>
           </p:cNvPicPr>
@@ -7779,7 +7910,7 @@
         </p:blipFill>
         <p:spPr>
           <a:xfrm>
-            <a:off x="635458" y="640080"/>
+            <a:off x="3162752" y="637032"/>
             <a:ext cx="2176272" cy="3602736"/>
           </a:xfrm>
           <a:prstGeom prst="rect">
@@ -7796,7 +7927,7 @@
       </p:pic>
       <p:pic>
         <p:nvPicPr>
-          <p:cNvPr id="7" name="Picture 6"/>
+          <p:cNvPr id="6" name="Picture 5"/>
           <p:cNvPicPr>
             <a:picLocks noChangeAspect="1"/>
           </p:cNvPicPr>
@@ -7815,7 +7946,7 @@
         </p:blipFill>
         <p:spPr>
           <a:xfrm>
-            <a:off x="8605878" y="637032"/>
+            <a:off x="5945490" y="637032"/>
             <a:ext cx="2176272" cy="3602736"/>
           </a:xfrm>
           <a:prstGeom prst="rect">
@@ -7830,78 +7961,6 @@
           </a:effectLst>
         </p:spPr>
       </p:pic>
-      <p:pic>
-        <p:nvPicPr>
-          <p:cNvPr id="5" name="Picture 4"/>
-          <p:cNvPicPr>
-            <a:picLocks noChangeAspect="1"/>
-          </p:cNvPicPr>
-          <p:nvPr/>
-        </p:nvPicPr>
-        <p:blipFill rotWithShape="1">
-          <a:blip r:embed="rId9">
-            <a:extLst>
-              <a:ext uri="{28A0092B-C50C-407E-A947-70E740481C1C}">
-                <a14:useLocalDpi xmlns:a14="http://schemas.microsoft.com/office/drawing/2010/main" val="0"/>
-              </a:ext>
-            </a:extLst>
-          </a:blip>
-          <a:srcRect t="672" r="2" b="2"/>
-          <a:stretch/>
-        </p:blipFill>
-        <p:spPr>
-          <a:xfrm>
-            <a:off x="3162752" y="637032"/>
-            <a:ext cx="2176272" cy="3602736"/>
-          </a:xfrm>
-          <a:prstGeom prst="rect">
-            <a:avLst/>
-          </a:prstGeom>
-          <a:effectLst>
-            <a:outerShdw blurRad="50800" dist="38100" dir="5400000" algn="t" rotWithShape="0">
-              <a:prstClr val="black">
-                <a:alpha val="43000"/>
-              </a:prstClr>
-            </a:outerShdw>
-          </a:effectLst>
-        </p:spPr>
-      </p:pic>
-      <p:pic>
-        <p:nvPicPr>
-          <p:cNvPr id="6" name="Picture 5"/>
-          <p:cNvPicPr>
-            <a:picLocks noChangeAspect="1"/>
-          </p:cNvPicPr>
-          <p:nvPr/>
-        </p:nvPicPr>
-        <p:blipFill rotWithShape="1">
-          <a:blip r:embed="rId10">
-            <a:extLst>
-              <a:ext uri="{28A0092B-C50C-407E-A947-70E740481C1C}">
-                <a14:useLocalDpi xmlns:a14="http://schemas.microsoft.com/office/drawing/2010/main" val="0"/>
-              </a:ext>
-            </a:extLst>
-          </a:blip>
-          <a:srcRect t="672" r="2" b="2"/>
-          <a:stretch/>
-        </p:blipFill>
-        <p:spPr>
-          <a:xfrm>
-            <a:off x="5945490" y="637032"/>
-            <a:ext cx="2176272" cy="3602736"/>
-          </a:xfrm>
-          <a:prstGeom prst="rect">
-            <a:avLst/>
-          </a:prstGeom>
-          <a:effectLst>
-            <a:outerShdw blurRad="50800" dist="38100" dir="5400000" algn="t" rotWithShape="0">
-              <a:prstClr val="black">
-                <a:alpha val="43000"/>
-              </a:prstClr>
-            </a:outerShdw>
-          </a:effectLst>
-        </p:spPr>
-      </p:pic>
       <p:sp>
         <p:nvSpPr>
           <p:cNvPr id="2" name="Title 1"/>
@@ -7939,130 +7998,6 @@
     <p:extLst>
       <p:ext uri="{BB962C8B-B14F-4D97-AF65-F5344CB8AC3E}">
         <p14:creationId xmlns:p14="http://schemas.microsoft.com/office/powerpoint/2010/main" val="3377536969"/>
-      </p:ext>
-    </p:extLst>
-  </p:cSld>
-  <p:clrMapOvr>
-    <a:masterClrMapping/>
-  </p:clrMapOvr>
-  <p:timing>
-    <p:tnLst>
-      <p:par>
-        <p:cTn id="1" dur="indefinite" restart="never" nodeType="tmRoot"/>
-      </p:par>
-    </p:tnLst>
-  </p:timing>
-</p:sld>
-</file>
-
-<file path=ppt/slides/slide5.xml><?xml version="1.0" encoding="utf-8"?>
-<p:sld xmlns:a="http://schemas.openxmlformats.org/drawingml/2006/main" xmlns:r="http://schemas.openxmlformats.org/officeDocument/2006/relationships" xmlns:p="http://schemas.openxmlformats.org/presentationml/2006/main">
-  <p:cSld>
-    <p:spTree>
-      <p:nvGrpSpPr>
-        <p:cNvPr id="1" name=""/>
-        <p:cNvGrpSpPr/>
-        <p:nvPr/>
-      </p:nvGrpSpPr>
-      <p:grpSpPr>
-        <a:xfrm>
-          <a:off x="0" y="0"/>
-          <a:ext cx="0" cy="0"/>
-          <a:chOff x="0" y="0"/>
-          <a:chExt cx="0" cy="0"/>
-        </a:xfrm>
-      </p:grpSpPr>
-      <p:sp>
-        <p:nvSpPr>
-          <p:cNvPr id="2" name="Title 1"/>
-          <p:cNvSpPr>
-            <a:spLocks noGrp="1"/>
-          </p:cNvSpPr>
-          <p:nvPr>
-            <p:ph type="title"/>
-          </p:nvPr>
-        </p:nvSpPr>
-        <p:spPr>
-          <a:xfrm>
-            <a:off x="646111" y="452718"/>
-            <a:ext cx="9404723" cy="906182"/>
-          </a:xfrm>
-        </p:spPr>
-        <p:txBody>
-          <a:bodyPr/>
-          <a:lstStyle/>
-          <a:p>
-            <a:r>
-              <a:rPr lang="en-US" dirty="0" smtClean="0">
-                <a:solidFill>
-                  <a:srgbClr val="FFC000"/>
-                </a:solidFill>
-              </a:rPr>
-              <a:t>Future Improvements</a:t>
-            </a:r>
-            <a:endParaRPr lang="en-US" dirty="0">
-              <a:solidFill>
-                <a:srgbClr val="FFC000"/>
-              </a:solidFill>
-            </a:endParaRPr>
-          </a:p>
-        </p:txBody>
-      </p:sp>
-      <p:sp>
-        <p:nvSpPr>
-          <p:cNvPr id="3" name="Content Placeholder 2"/>
-          <p:cNvSpPr>
-            <a:spLocks noGrp="1"/>
-          </p:cNvSpPr>
-          <p:nvPr>
-            <p:ph idx="1"/>
-          </p:nvPr>
-        </p:nvSpPr>
-        <p:spPr>
-          <a:xfrm>
-            <a:off x="1103312" y="2006600"/>
-            <a:ext cx="8946541" cy="4241799"/>
-          </a:xfrm>
-        </p:spPr>
-        <p:txBody>
-          <a:bodyPr/>
-          <a:lstStyle/>
-          <a:p>
-            <a:r>
-              <a:rPr lang="en-US" dirty="0" smtClean="0">
-                <a:solidFill>
-                  <a:srgbClr val="FFFF00"/>
-                </a:solidFill>
-              </a:rPr>
-              <a:t>Stream the acceleration to a backend server and create a graph for continuous visualization</a:t>
-            </a:r>
-            <a:endParaRPr lang="en-US" dirty="0" smtClean="0">
-              <a:solidFill>
-                <a:srgbClr val="FFFF00"/>
-              </a:solidFill>
-            </a:endParaRPr>
-          </a:p>
-          <a:p>
-            <a:r>
-              <a:rPr lang="en-US" dirty="0" smtClean="0">
-                <a:solidFill>
-                  <a:srgbClr val="FFFF00"/>
-                </a:solidFill>
-              </a:rPr>
-              <a:t>Search for Emergency Contact from Phone Book and make a call</a:t>
-            </a:r>
-            <a:endParaRPr lang="en-US" dirty="0">
-              <a:solidFill>
-                <a:srgbClr val="FFFF00"/>
-              </a:solidFill>
-            </a:endParaRPr>
-          </a:p>
-        </p:txBody>
-      </p:sp>
-    </p:spTree>
-    <p:extLst>
-      <p:ext uri="{BB962C8B-B14F-4D97-AF65-F5344CB8AC3E}">
-        <p14:creationId xmlns:p14="http://schemas.microsoft.com/office/powerpoint/2010/main" val="20044958"/>
       </p:ext>
     </p:extLst>
   </p:cSld>
@@ -8106,6 +8041,214 @@
             <p:ph type="title"/>
           </p:nvPr>
         </p:nvSpPr>
+        <p:spPr>
+          <a:xfrm>
+            <a:off x="646111" y="452718"/>
+            <a:ext cx="9404723" cy="906182"/>
+          </a:xfrm>
+        </p:spPr>
+        <p:txBody>
+          <a:bodyPr/>
+          <a:lstStyle/>
+          <a:p>
+            <a:r>
+              <a:rPr lang="en-US" dirty="0" smtClean="0">
+                <a:solidFill>
+                  <a:srgbClr val="FFC000"/>
+                </a:solidFill>
+              </a:rPr>
+              <a:t>Future Improvements</a:t>
+            </a:r>
+            <a:endParaRPr lang="en-US" dirty="0">
+              <a:solidFill>
+                <a:srgbClr val="FFC000"/>
+              </a:solidFill>
+            </a:endParaRPr>
+          </a:p>
+        </p:txBody>
+      </p:sp>
+      <p:sp>
+        <p:nvSpPr>
+          <p:cNvPr id="3" name="Content Placeholder 2"/>
+          <p:cNvSpPr>
+            <a:spLocks noGrp="1"/>
+          </p:cNvSpPr>
+          <p:nvPr>
+            <p:ph idx="1"/>
+          </p:nvPr>
+        </p:nvSpPr>
+        <p:spPr>
+          <a:xfrm>
+            <a:off x="1103312" y="2006600"/>
+            <a:ext cx="8946541" cy="4241799"/>
+          </a:xfrm>
+        </p:spPr>
+        <p:txBody>
+          <a:bodyPr/>
+          <a:lstStyle/>
+          <a:p>
+            <a:r>
+              <a:rPr lang="en-US" dirty="0" smtClean="0">
+                <a:solidFill>
+                  <a:srgbClr val="FFFF00"/>
+                </a:solidFill>
+              </a:rPr>
+              <a:t>Improve mechanism to calculate threshold by considering all pattern movements, by learning over a period of time</a:t>
+            </a:r>
+          </a:p>
+          <a:p>
+            <a:r>
+              <a:rPr lang="en-US" dirty="0" smtClean="0">
+                <a:solidFill>
+                  <a:srgbClr val="FFFF00"/>
+                </a:solidFill>
+              </a:rPr>
+              <a:t>Stream </a:t>
+            </a:r>
+            <a:r>
+              <a:rPr lang="en-US" dirty="0" smtClean="0">
+                <a:solidFill>
+                  <a:srgbClr val="FFFF00"/>
+                </a:solidFill>
+              </a:rPr>
+              <a:t>the acceleration to </a:t>
+            </a:r>
+            <a:r>
+              <a:rPr lang="en-US" smtClean="0">
+                <a:solidFill>
+                  <a:srgbClr val="FFFF00"/>
+                </a:solidFill>
+              </a:rPr>
+              <a:t>a </a:t>
+            </a:r>
+            <a:r>
+              <a:rPr lang="en-US" smtClean="0">
+                <a:solidFill>
+                  <a:srgbClr val="FFFF00"/>
+                </a:solidFill>
+              </a:rPr>
+              <a:t>web server </a:t>
+            </a:r>
+            <a:r>
+              <a:rPr lang="en-US" dirty="0" smtClean="0">
+                <a:solidFill>
+                  <a:srgbClr val="FFFF00"/>
+                </a:solidFill>
+              </a:rPr>
+              <a:t>and </a:t>
+            </a:r>
+            <a:r>
+              <a:rPr lang="en-US" dirty="0" smtClean="0">
+                <a:solidFill>
+                  <a:srgbClr val="FFFF00"/>
+                </a:solidFill>
+              </a:rPr>
+              <a:t>create a real-time visualization over a web application</a:t>
+            </a:r>
+            <a:endParaRPr lang="en-US" dirty="0" smtClean="0">
+              <a:solidFill>
+                <a:srgbClr val="FFFF00"/>
+              </a:solidFill>
+            </a:endParaRPr>
+          </a:p>
+          <a:p>
+            <a:r>
+              <a:rPr lang="en-US" dirty="0" smtClean="0">
+                <a:solidFill>
+                  <a:srgbClr val="FFFF00"/>
+                </a:solidFill>
+              </a:rPr>
+              <a:t>Search for Emergency Contact </a:t>
+            </a:r>
+            <a:r>
+              <a:rPr lang="en-US" dirty="0" smtClean="0">
+                <a:solidFill>
+                  <a:srgbClr val="FFFF00"/>
+                </a:solidFill>
+              </a:rPr>
+              <a:t>and </a:t>
+            </a:r>
+            <a:r>
+              <a:rPr lang="en-US" dirty="0" smtClean="0">
+                <a:solidFill>
+                  <a:srgbClr val="FFFF00"/>
+                </a:solidFill>
+              </a:rPr>
+              <a:t>make a </a:t>
+            </a:r>
+            <a:r>
+              <a:rPr lang="en-US" dirty="0" smtClean="0">
+                <a:solidFill>
+                  <a:srgbClr val="FFFF00"/>
+                </a:solidFill>
+              </a:rPr>
+              <a:t>call or send an SMS using a Web Service</a:t>
+            </a:r>
+          </a:p>
+          <a:p>
+            <a:r>
+              <a:rPr lang="en-US" dirty="0" smtClean="0">
+                <a:solidFill>
+                  <a:srgbClr val="FFFF00"/>
+                </a:solidFill>
+              </a:rPr>
+              <a:t>Make Front-end responsive</a:t>
+            </a:r>
+            <a:endParaRPr lang="en-US" dirty="0" smtClean="0">
+              <a:solidFill>
+                <a:srgbClr val="FFFF00"/>
+              </a:solidFill>
+            </a:endParaRPr>
+          </a:p>
+        </p:txBody>
+      </p:sp>
+    </p:spTree>
+    <p:extLst>
+      <p:ext uri="{BB962C8B-B14F-4D97-AF65-F5344CB8AC3E}">
+        <p14:creationId xmlns:p14="http://schemas.microsoft.com/office/powerpoint/2010/main" val="20044958"/>
+      </p:ext>
+    </p:extLst>
+  </p:cSld>
+  <p:clrMapOvr>
+    <a:masterClrMapping/>
+  </p:clrMapOvr>
+  <p:timing>
+    <p:tnLst>
+      <p:par>
+        <p:cTn id="1" dur="indefinite" restart="never" nodeType="tmRoot"/>
+      </p:par>
+    </p:tnLst>
+  </p:timing>
+</p:sld>
+</file>
+
+<file path=ppt/slides/slide7.xml><?xml version="1.0" encoding="utf-8"?>
+<p:sld xmlns:a="http://schemas.openxmlformats.org/drawingml/2006/main" xmlns:r="http://schemas.openxmlformats.org/officeDocument/2006/relationships" xmlns:p="http://schemas.openxmlformats.org/presentationml/2006/main">
+  <p:cSld>
+    <p:spTree>
+      <p:nvGrpSpPr>
+        <p:cNvPr id="1" name=""/>
+        <p:cNvGrpSpPr/>
+        <p:nvPr/>
+      </p:nvGrpSpPr>
+      <p:grpSpPr>
+        <a:xfrm>
+          <a:off x="0" y="0"/>
+          <a:ext cx="0" cy="0"/>
+          <a:chOff x="0" y="0"/>
+          <a:chExt cx="0" cy="0"/>
+        </a:xfrm>
+      </p:grpSpPr>
+      <p:sp>
+        <p:nvSpPr>
+          <p:cNvPr id="2" name="Title 1"/>
+          <p:cNvSpPr>
+            <a:spLocks noGrp="1"/>
+          </p:cNvSpPr>
+          <p:nvPr>
+            <p:ph type="title"/>
+          </p:nvPr>
+        </p:nvSpPr>
         <p:spPr/>
         <p:txBody>
           <a:bodyPr/>
@@ -8189,7 +8332,7 @@
 </p:sld>
 </file>
 
-<file path=ppt/slides/slide7.xml><?xml version="1.0" encoding="utf-8"?>
+<file path=ppt/slides/slide8.xml><?xml version="1.0" encoding="utf-8"?>
 <p:sld xmlns:a="http://schemas.openxmlformats.org/drawingml/2006/main" xmlns:r="http://schemas.openxmlformats.org/officeDocument/2006/relationships" xmlns:p="http://schemas.openxmlformats.org/presentationml/2006/main">
   <p:cSld>
     <p:spTree>
